--- a/result.pptx
+++ b/result.pptx
@@ -3310,7 +3310,7 @@
       </p:sp>
       <p:pic>
         <p:nvPicPr>
-          <p:cNvPr id="4" name="Picture 3" descr="3. tj_headshot_jerry.png"/>
+          <p:cNvPr id="4" name="Picture 3" descr="3. latest?cb=20130728214148.jpg"/>
           <p:cNvPicPr>
             <a:picLocks noChangeAspect="1"/>
           </p:cNvPicPr>
@@ -3396,7 +3396,7 @@
       </p:sp>
       <p:pic>
         <p:nvPicPr>
-          <p:cNvPr id="4" name="Picture 3" descr="4. latest?cb=20130728214148.jpg"/>
+          <p:cNvPr id="4" name="Picture 3" descr="4. 61nz9edeafl._sx425_.jpg"/>
           <p:cNvPicPr>
             <a:picLocks noChangeAspect="1"/>
           </p:cNvPicPr>
@@ -3482,7 +3482,7 @@
       </p:sp>
       <p:pic>
         <p:nvPicPr>
-          <p:cNvPr id="4" name="Picture 3" descr="5. creatick-studio-tom-and-jerry-sdl504529423-1-9be98.jpg"/>
+          <p:cNvPr id="4" name="Picture 3" descr="5. tj_headshot_jerry.png"/>
           <p:cNvPicPr>
             <a:picLocks noChangeAspect="1"/>
           </p:cNvPicPr>

--- a/result.pptx
+++ b/result.pptx
@@ -3310,7 +3310,7 @@
       </p:sp>
       <p:pic>
         <p:nvPicPr>
-          <p:cNvPr id="4" name="Picture 3" descr="3. latest?cb=20130728214148.jpg"/>
+          <p:cNvPr id="4" name="Picture 3" descr="3. tj_headshot_jerry.png"/>
           <p:cNvPicPr>
             <a:picLocks noChangeAspect="1"/>
           </p:cNvPicPr>
@@ -3396,7 +3396,7 @@
       </p:sp>
       <p:pic>
         <p:nvPicPr>
-          <p:cNvPr id="4" name="Picture 3" descr="4. 61nz9edeafl._sx425_.jpg"/>
+          <p:cNvPr id="4" name="Picture 3" descr="4. latest?cb=20110814202926.jpg"/>
           <p:cNvPicPr>
             <a:picLocks noChangeAspect="1"/>
           </p:cNvPicPr>
@@ -3482,7 +3482,7 @@
       </p:sp>
       <p:pic>
         <p:nvPicPr>
-          <p:cNvPr id="4" name="Picture 3" descr="5. tj_headshot_jerry.png"/>
+          <p:cNvPr id="4" name="Picture 3" descr="5. hqdefault.jpg"/>
           <p:cNvPicPr>
             <a:picLocks noChangeAspect="1"/>
           </p:cNvPicPr>
